--- a/5.Crypto/Cryptology3-Symmetric-Encryption.pptx
+++ b/5.Crypto/Cryptology3-Symmetric-Encryption.pptx
@@ -216,7 +216,7 @@
           <a:p>
             <a:fld id="{C4B58AF0-7A07-4D33-944C-AC867B70A9B3}" type="datetimeFigureOut">
               <a:rPr lang="en-US" smtClean="0"/>
-              <a:t>2/7/2020</a:t>
+              <a:t>11/25/2020</a:t>
             </a:fld>
             <a:endParaRPr lang="en-US"/>
           </a:p>
@@ -652,6 +652,15 @@
           <a:p>
             <a:r>
               <a:rPr lang="en-US" dirty="0"/>
+              <a:t>Only two things to remember here:  ECB is bad, and modes are created so that the same plaintext always creates different ciphertext.</a:t>
+            </a:r>
+          </a:p>
+          <a:p>
+            <a:endParaRPr lang="en-US" dirty="0"/>
+          </a:p>
+          <a:p>
+            <a:r>
+              <a:rPr lang="en-US" dirty="0"/>
               <a:t>“Cryptography Engineering” by Ferguson, Schneier, and Kohno recommends CBC over CTR because IV/nonce generation is difficult.  A not so random nonce or IV has a larger effect on CTR.</a:t>
             </a:r>
           </a:p>
@@ -679,7 +688,15 @@
           <a:p>
             <a:r>
               <a:rPr lang="en-US" dirty="0"/>
-              <a:t>Note:  The ‘Galois’ in GCM comes from mathematical operations in a Galois Extended Field.  The addition and multiplication operations are redefined.  If you enjoy math, you can read more in </a:t>
+              <a:t>Note:  The ‘Galois’ in GCM comes from mathematical operations in a Galois Extended Field</a:t>
+            </a:r>
+            <a:r>
+              <a:rPr lang="en-US"/>
+              <a:t>. If </a:t>
+            </a:r>
+            <a:r>
+              <a:rPr lang="en-US" dirty="0"/>
+              <a:t>you enjoy math, you can read more in </a:t>
             </a:r>
             <a:r>
               <a:rPr lang="en-US" dirty="0" err="1"/>
@@ -3756,6 +3773,15 @@
           <a:p>
             <a:r>
               <a:rPr lang="en-US" dirty="0"/>
+              <a:t>Only two things to remember here:  ECB is bad, and modes are created so that the same plaintext always creates different ciphertext.</a:t>
+            </a:r>
+          </a:p>
+          <a:p>
+            <a:endParaRPr lang="en-US" dirty="0"/>
+          </a:p>
+          <a:p>
+            <a:r>
+              <a:rPr lang="en-US" dirty="0"/>
               <a:t>ECB is not recommended, since identical plaintext blocks produce the same ciphertext.  It is nice for simple examples since you don’t have to worry about initialization vectors or nonces, but not good in practice.  It has no method for injecting randomness.  A one block (128 bits or 16 bytes) message will always be encrypted the same way, if the key is the same.</a:t>
             </a:r>
           </a:p>
@@ -3978,7 +4004,7 @@
           <a:p>
             <a:fld id="{F18D9C4A-D73C-4CB7-B695-CD44CD489250}" type="datetimeFigureOut">
               <a:rPr lang="en-US" smtClean="0"/>
-              <a:t>2/7/2020</a:t>
+              <a:t>11/25/2020</a:t>
             </a:fld>
             <a:endParaRPr lang="en-US"/>
           </a:p>
@@ -4176,7 +4202,7 @@
           <a:p>
             <a:fld id="{F18D9C4A-D73C-4CB7-B695-CD44CD489250}" type="datetimeFigureOut">
               <a:rPr lang="en-US" smtClean="0"/>
-              <a:t>2/7/2020</a:t>
+              <a:t>11/25/2020</a:t>
             </a:fld>
             <a:endParaRPr lang="en-US"/>
           </a:p>
@@ -4384,7 +4410,7 @@
           <a:p>
             <a:fld id="{F18D9C4A-D73C-4CB7-B695-CD44CD489250}" type="datetimeFigureOut">
               <a:rPr lang="en-US" smtClean="0"/>
-              <a:t>2/7/2020</a:t>
+              <a:t>11/25/2020</a:t>
             </a:fld>
             <a:endParaRPr lang="en-US"/>
           </a:p>
@@ -4582,7 +4608,7 @@
           <a:p>
             <a:fld id="{F18D9C4A-D73C-4CB7-B695-CD44CD489250}" type="datetimeFigureOut">
               <a:rPr lang="en-US" smtClean="0"/>
-              <a:t>2/7/2020</a:t>
+              <a:t>11/25/2020</a:t>
             </a:fld>
             <a:endParaRPr lang="en-US"/>
           </a:p>
@@ -4857,7 +4883,7 @@
           <a:p>
             <a:fld id="{F18D9C4A-D73C-4CB7-B695-CD44CD489250}" type="datetimeFigureOut">
               <a:rPr lang="en-US" smtClean="0"/>
-              <a:t>2/7/2020</a:t>
+              <a:t>11/25/2020</a:t>
             </a:fld>
             <a:endParaRPr lang="en-US"/>
           </a:p>
@@ -5122,7 +5148,7 @@
           <a:p>
             <a:fld id="{F18D9C4A-D73C-4CB7-B695-CD44CD489250}" type="datetimeFigureOut">
               <a:rPr lang="en-US" smtClean="0"/>
-              <a:t>2/7/2020</a:t>
+              <a:t>11/25/2020</a:t>
             </a:fld>
             <a:endParaRPr lang="en-US"/>
           </a:p>
@@ -5534,7 +5560,7 @@
           <a:p>
             <a:fld id="{F18D9C4A-D73C-4CB7-B695-CD44CD489250}" type="datetimeFigureOut">
               <a:rPr lang="en-US" smtClean="0"/>
-              <a:t>2/7/2020</a:t>
+              <a:t>11/25/2020</a:t>
             </a:fld>
             <a:endParaRPr lang="en-US"/>
           </a:p>
@@ -5675,7 +5701,7 @@
           <a:p>
             <a:fld id="{F18D9C4A-D73C-4CB7-B695-CD44CD489250}" type="datetimeFigureOut">
               <a:rPr lang="en-US" smtClean="0"/>
-              <a:t>2/7/2020</a:t>
+              <a:t>11/25/2020</a:t>
             </a:fld>
             <a:endParaRPr lang="en-US"/>
           </a:p>
@@ -5788,7 +5814,7 @@
           <a:p>
             <a:fld id="{F18D9C4A-D73C-4CB7-B695-CD44CD489250}" type="datetimeFigureOut">
               <a:rPr lang="en-US" smtClean="0"/>
-              <a:t>2/7/2020</a:t>
+              <a:t>11/25/2020</a:t>
             </a:fld>
             <a:endParaRPr lang="en-US"/>
           </a:p>
@@ -6099,7 +6125,7 @@
           <a:p>
             <a:fld id="{F18D9C4A-D73C-4CB7-B695-CD44CD489250}" type="datetimeFigureOut">
               <a:rPr lang="en-US" smtClean="0"/>
-              <a:t>2/7/2020</a:t>
+              <a:t>11/25/2020</a:t>
             </a:fld>
             <a:endParaRPr lang="en-US"/>
           </a:p>
@@ -6387,7 +6413,7 @@
           <a:p>
             <a:fld id="{F18D9C4A-D73C-4CB7-B695-CD44CD489250}" type="datetimeFigureOut">
               <a:rPr lang="en-US" smtClean="0"/>
-              <a:t>2/7/2020</a:t>
+              <a:t>11/25/2020</a:t>
             </a:fld>
             <a:endParaRPr lang="en-US"/>
           </a:p>
@@ -6628,7 +6654,7 @@
           <a:p>
             <a:fld id="{F18D9C4A-D73C-4CB7-B695-CD44CD489250}" type="datetimeFigureOut">
               <a:rPr lang="en-US" smtClean="0"/>
-              <a:t>2/7/2020</a:t>
+              <a:t>11/25/2020</a:t>
             </a:fld>
             <a:endParaRPr lang="en-US"/>
           </a:p>
@@ -7840,6 +7866,13 @@
             </a:r>
           </a:p>
           <a:p>
+            <a:pPr lvl="1"/>
+            <a:r>
+              <a:rPr lang="en-US" dirty="0"/>
+              <a:t>Means each block has an “anti-tamper” code to go with it</a:t>
+            </a:r>
+          </a:p>
+          <a:p>
             <a:r>
               <a:rPr lang="en-US" dirty="0"/>
               <a:t>Symmetric encryption needs to protect itself from malicious input</a:t>
@@ -7862,7 +7895,14 @@
           <a:p>
             <a:r>
               <a:rPr lang="en-US" dirty="0"/>
-              <a:t>Some modes create separate authentication codes that are sent along with the ciphertext.  The decryption algorithm uses both the cyphertext and the code; it will generate an error if the ciphertext is corrupted.</a:t>
+              <a:t>The decryption algorithm uses both the cyphertext and the “anti-tamper” or authentication code</a:t>
+            </a:r>
+          </a:p>
+          <a:p>
+            <a:pPr lvl="1"/>
+            <a:r>
+              <a:rPr lang="en-US" dirty="0"/>
+              <a:t>generates an error if the ciphertext is corrupted.</a:t>
             </a:r>
           </a:p>
           <a:p>
@@ -8191,14 +8231,14 @@
             <a:pPr lvl="1"/>
             <a:r>
               <a:rPr lang="en-US" dirty="0"/>
+              <a:t>XOR with current key</a:t>
+            </a:r>
+          </a:p>
+          <a:p>
+            <a:pPr lvl="1"/>
+            <a:r>
+              <a:rPr lang="en-US" dirty="0"/>
               <a:t>Key is modified to be different each round</a:t>
-            </a:r>
-          </a:p>
-          <a:p>
-            <a:pPr lvl="1"/>
-            <a:r>
-              <a:rPr lang="en-US" dirty="0"/>
-              <a:t>XOR with current key</a:t>
             </a:r>
           </a:p>
         </p:txBody>
@@ -8413,7 +8453,7 @@
             <a:pPr lvl="1"/>
             <a:r>
               <a:rPr lang="en-US" dirty="0"/>
-              <a:t>Modular multiplication does not always have inverse (remember Affine cipher in Cryptology 2)</a:t>
+              <a:t>Modular multiplication does not have an inverse (remember Affine cipher in Cryptology 2)</a:t>
             </a:r>
           </a:p>
           <a:p>
@@ -9749,10 +9789,16 @@
             </a:r>
           </a:p>
           <a:p>
-            <a:pPr lvl="1"/>
-            <a:r>
-              <a:rPr lang="en-US" dirty="0"/>
-              <a:t>(using AES ECB mode and no IV, pycryptodome in Python)</a:t>
+            <a:r>
+              <a:rPr lang="en-US" dirty="0"/>
+              <a:t>Only 1 bit changed but look at the ciphertext!</a:t>
+            </a:r>
+          </a:p>
+          <a:p>
+            <a:pPr lvl="2"/>
+            <a:r>
+              <a:rPr lang="en-US" dirty="0"/>
+              <a:t>(using AES ECB mode and no IV, PyCryptodome in Python 3.8)</a:t>
             </a:r>
           </a:p>
           <a:p>
@@ -9771,10 +9817,10 @@
       </p:sp>
       <p:pic>
         <p:nvPicPr>
-          <p:cNvPr id="6" name="Picture 5">
-            <a:extLst>
-              <a:ext uri="{FF2B5EF4-FFF2-40B4-BE49-F238E27FC236}">
-                <a16:creationId xmlns:a16="http://schemas.microsoft.com/office/drawing/2014/main" id="{04C88683-A58C-450B-8830-70A9A33CCD34}"/>
+          <p:cNvPr id="5" name="Picture 4">
+            <a:extLst>
+              <a:ext uri="{FF2B5EF4-FFF2-40B4-BE49-F238E27FC236}">
+                <a16:creationId xmlns:a16="http://schemas.microsoft.com/office/drawing/2014/main" id="{7F57B0DF-E57F-4F87-A380-1132B5DDF6D7}"/>
               </a:ext>
             </a:extLst>
           </p:cNvPr>
@@ -9791,8 +9837,8 @@
         </p:blipFill>
         <p:spPr>
           <a:xfrm>
-            <a:off x="838200" y="3610932"/>
-            <a:ext cx="10176247" cy="2728321"/>
+            <a:off x="2061210" y="4072631"/>
+            <a:ext cx="7539990" cy="2420244"/>
           </a:xfrm>
           <a:prstGeom prst="rect">
             <a:avLst/>
@@ -9852,7 +9898,7 @@
           <a:p>
             <a:r>
               <a:rPr lang="en-US" dirty="0"/>
-              <a:t>But, it’s more complicated</a:t>
+              <a:t>But it’s more complicated</a:t>
             </a:r>
           </a:p>
         </p:txBody>
